--- a/3semestar/OFESIG/TLP.pptx
+++ b/3semestar/OFESIG/TLP.pptx
@@ -1560,7 +1560,7 @@
   <p:cSld>
     <p:spTree>
       <p:nvGrpSpPr>
-        <p:cNvPr id="111" name="Shape 111"/>
+        <p:cNvPr id="109" name="Shape 109"/>
         <p:cNvGrpSpPr/>
         <p:nvPr/>
       </p:nvGrpSpPr>
@@ -1574,7 +1574,7 @@
       </p:grpSpPr>
       <p:sp>
         <p:nvSpPr>
-          <p:cNvPr id="112" name="Google Shape;112;g3b61ed0dea9_0_4:notes"/>
+          <p:cNvPr id="110" name="Google Shape;110;g3b61ed0dea9_0_4:notes"/>
           <p:cNvSpPr txBox="1"/>
           <p:nvPr>
             <p:ph idx="1" type="body"/>
@@ -1613,7 +1613,7 @@
       </p:sp>
       <p:sp>
         <p:nvSpPr>
-          <p:cNvPr id="113" name="Google Shape;113;g3b61ed0dea9_0_4:notes"/>
+          <p:cNvPr id="111" name="Google Shape;111;g3b61ed0dea9_0_4:notes"/>
           <p:cNvSpPr/>
           <p:nvPr>
             <p:ph idx="2" type="sldImg"/>
@@ -1659,7 +1659,7 @@
   <p:cSld>
     <p:spTree>
       <p:nvGrpSpPr>
-        <p:cNvPr id="117" name="Shape 117"/>
+        <p:cNvPr id="115" name="Shape 115"/>
         <p:cNvGrpSpPr/>
         <p:nvPr/>
       </p:nvGrpSpPr>
@@ -1673,7 +1673,7 @@
       </p:grpSpPr>
       <p:sp>
         <p:nvSpPr>
-          <p:cNvPr id="118" name="Google Shape;118;g3b61ed0dea9_0_9:notes"/>
+          <p:cNvPr id="116" name="Google Shape;116;g3b61ed0dea9_0_9:notes"/>
           <p:cNvSpPr txBox="1"/>
           <p:nvPr>
             <p:ph idx="1" type="body"/>
@@ -1712,7 +1712,7 @@
       </p:sp>
       <p:sp>
         <p:nvSpPr>
-          <p:cNvPr id="119" name="Google Shape;119;g3b61ed0dea9_0_9:notes"/>
+          <p:cNvPr id="117" name="Google Shape;117;g3b61ed0dea9_0_9:notes"/>
           <p:cNvSpPr/>
           <p:nvPr>
             <p:ph idx="2" type="sldImg"/>
@@ -1758,7 +1758,7 @@
   <p:cSld>
     <p:spTree>
       <p:nvGrpSpPr>
-        <p:cNvPr id="123" name="Shape 123"/>
+        <p:cNvPr id="121" name="Shape 121"/>
         <p:cNvGrpSpPr/>
         <p:nvPr/>
       </p:nvGrpSpPr>
@@ -1772,7 +1772,7 @@
       </p:grpSpPr>
       <p:sp>
         <p:nvSpPr>
-          <p:cNvPr id="124" name="Google Shape;124;g3b61ed0dea9_0_14:notes"/>
+          <p:cNvPr id="122" name="Google Shape;122;g3b61ed0dea9_0_14:notes"/>
           <p:cNvSpPr txBox="1"/>
           <p:nvPr>
             <p:ph idx="1" type="body"/>
@@ -1811,7 +1811,7 @@
       </p:sp>
       <p:sp>
         <p:nvSpPr>
-          <p:cNvPr id="125" name="Google Shape;125;g3b61ed0dea9_0_14:notes"/>
+          <p:cNvPr id="123" name="Google Shape;123;g3b61ed0dea9_0_14:notes"/>
           <p:cNvSpPr/>
           <p:nvPr>
             <p:ph idx="2" type="sldImg"/>
@@ -1857,7 +1857,7 @@
   <p:cSld>
     <p:spTree>
       <p:nvGrpSpPr>
-        <p:cNvPr id="129" name="Shape 129"/>
+        <p:cNvPr id="127" name="Shape 127"/>
         <p:cNvGrpSpPr/>
         <p:nvPr/>
       </p:nvGrpSpPr>
@@ -1871,7 +1871,7 @@
       </p:grpSpPr>
       <p:sp>
         <p:nvSpPr>
-          <p:cNvPr id="130" name="Google Shape;130;g3b61ed0dea9_0_19:notes"/>
+          <p:cNvPr id="128" name="Google Shape;128;g3b61ed0dea9_0_19:notes"/>
           <p:cNvSpPr txBox="1"/>
           <p:nvPr>
             <p:ph idx="1" type="body"/>
@@ -1910,7 +1910,7 @@
       </p:sp>
       <p:sp>
         <p:nvSpPr>
-          <p:cNvPr id="131" name="Google Shape;131;g3b61ed0dea9_0_19:notes"/>
+          <p:cNvPr id="129" name="Google Shape;129;g3b61ed0dea9_0_19:notes"/>
           <p:cNvSpPr/>
           <p:nvPr>
             <p:ph idx="2" type="sldImg"/>
@@ -1956,7 +1956,7 @@
   <p:cSld>
     <p:spTree>
       <p:nvGrpSpPr>
-        <p:cNvPr id="135" name="Shape 135"/>
+        <p:cNvPr id="133" name="Shape 133"/>
         <p:cNvGrpSpPr/>
         <p:nvPr/>
       </p:nvGrpSpPr>
@@ -1970,7 +1970,7 @@
       </p:grpSpPr>
       <p:sp>
         <p:nvSpPr>
-          <p:cNvPr id="136" name="Google Shape;136;g3b61ed0dea9_0_24:notes"/>
+          <p:cNvPr id="134" name="Google Shape;134;g3b61ed0dea9_0_24:notes"/>
           <p:cNvSpPr txBox="1"/>
           <p:nvPr>
             <p:ph idx="1" type="body"/>
@@ -2009,7 +2009,7 @@
       </p:sp>
       <p:sp>
         <p:nvSpPr>
-          <p:cNvPr id="137" name="Google Shape;137;g3b61ed0dea9_0_24:notes"/>
+          <p:cNvPr id="135" name="Google Shape;135;g3b61ed0dea9_0_24:notes"/>
           <p:cNvSpPr/>
           <p:nvPr>
             <p:ph idx="2" type="sldImg"/>
@@ -2055,7 +2055,7 @@
   <p:cSld>
     <p:spTree>
       <p:nvGrpSpPr>
-        <p:cNvPr id="141" name="Shape 141"/>
+        <p:cNvPr id="139" name="Shape 139"/>
         <p:cNvGrpSpPr/>
         <p:nvPr/>
       </p:nvGrpSpPr>
@@ -2069,7 +2069,7 @@
       </p:grpSpPr>
       <p:sp>
         <p:nvSpPr>
-          <p:cNvPr id="142" name="Google Shape;142;g3b61ed0dea9_0_29:notes"/>
+          <p:cNvPr id="140" name="Google Shape;140;g3b61ed0dea9_0_29:notes"/>
           <p:cNvSpPr txBox="1"/>
           <p:nvPr>
             <p:ph idx="1" type="body"/>
@@ -2108,7 +2108,7 @@
       </p:sp>
       <p:sp>
         <p:nvSpPr>
-          <p:cNvPr id="143" name="Google Shape;143;g3b61ed0dea9_0_29:notes"/>
+          <p:cNvPr id="141" name="Google Shape;141;g3b61ed0dea9_0_29:notes"/>
           <p:cNvSpPr/>
           <p:nvPr>
             <p:ph idx="2" type="sldImg"/>
@@ -2154,7 +2154,7 @@
   <p:cSld>
     <p:spTree>
       <p:nvGrpSpPr>
-        <p:cNvPr id="147" name="Shape 147"/>
+        <p:cNvPr id="145" name="Shape 145"/>
         <p:cNvGrpSpPr/>
         <p:nvPr/>
       </p:nvGrpSpPr>
@@ -2168,7 +2168,7 @@
       </p:grpSpPr>
       <p:sp>
         <p:nvSpPr>
-          <p:cNvPr id="148" name="Google Shape;148;g3b61ed0dea9_0_65:notes"/>
+          <p:cNvPr id="146" name="Google Shape;146;g3b61ed0dea9_0_65:notes"/>
           <p:cNvSpPr/>
           <p:nvPr>
             <p:ph idx="2" type="sldImg"/>
@@ -2203,7 +2203,7 @@
       </p:sp>
       <p:sp>
         <p:nvSpPr>
-          <p:cNvPr id="149" name="Google Shape;149;g3b61ed0dea9_0_65:notes"/>
+          <p:cNvPr id="147" name="Google Shape;147;g3b61ed0dea9_0_65:notes"/>
           <p:cNvSpPr txBox="1"/>
           <p:nvPr>
             <p:ph idx="1" type="body"/>
@@ -2243,7 +2243,7 @@
       </p:sp>
       <p:sp>
         <p:nvSpPr>
-          <p:cNvPr id="150" name="Google Shape;150;g3b61ed0dea9_0_65:notes"/>
+          <p:cNvPr id="148" name="Google Shape;148;g3b61ed0dea9_0_65:notes"/>
           <p:cNvSpPr txBox="1"/>
           <p:nvPr>
             <p:ph idx="12" type="sldNum"/>
@@ -2298,7 +2298,7 @@
   <p:cSld>
     <p:spTree>
       <p:nvGrpSpPr>
-        <p:cNvPr id="154" name="Shape 154"/>
+        <p:cNvPr id="152" name="Shape 152"/>
         <p:cNvGrpSpPr/>
         <p:nvPr/>
       </p:nvGrpSpPr>
@@ -2312,7 +2312,7 @@
       </p:grpSpPr>
       <p:sp>
         <p:nvSpPr>
-          <p:cNvPr id="155" name="Google Shape;155;g3b61ed0dea9_0_73:notes"/>
+          <p:cNvPr id="153" name="Google Shape;153;g3b61ed0dea9_0_73:notes"/>
           <p:cNvSpPr/>
           <p:nvPr>
             <p:ph idx="2" type="sldImg"/>
@@ -2347,7 +2347,7 @@
       </p:sp>
       <p:sp>
         <p:nvSpPr>
-          <p:cNvPr id="156" name="Google Shape;156;g3b61ed0dea9_0_73:notes"/>
+          <p:cNvPr id="154" name="Google Shape;154;g3b61ed0dea9_0_73:notes"/>
           <p:cNvSpPr txBox="1"/>
           <p:nvPr>
             <p:ph idx="1" type="body"/>
@@ -2387,7 +2387,7 @@
       </p:sp>
       <p:sp>
         <p:nvSpPr>
-          <p:cNvPr id="157" name="Google Shape;157;g3b61ed0dea9_0_73:notes"/>
+          <p:cNvPr id="155" name="Google Shape;155;g3b61ed0dea9_0_73:notes"/>
           <p:cNvSpPr txBox="1"/>
           <p:nvPr>
             <p:ph idx="12" type="sldNum"/>
@@ -2438,7 +2438,7 @@
   <p:cSld>
     <p:spTree>
       <p:nvGrpSpPr>
-        <p:cNvPr id="181" name="Shape 181"/>
+        <p:cNvPr id="178" name="Shape 178"/>
         <p:cNvGrpSpPr/>
         <p:nvPr/>
       </p:nvGrpSpPr>
@@ -2452,7 +2452,7 @@
       </p:grpSpPr>
       <p:sp>
         <p:nvSpPr>
-          <p:cNvPr id="182" name="Google Shape;182;p6:notes"/>
+          <p:cNvPr id="179" name="Google Shape;179;p6:notes"/>
           <p:cNvSpPr txBox="1"/>
           <p:nvPr>
             <p:ph idx="1" type="body"/>
@@ -2491,7 +2491,7 @@
       </p:sp>
       <p:sp>
         <p:nvSpPr>
-          <p:cNvPr id="183" name="Google Shape;183;p6:notes"/>
+          <p:cNvPr id="180" name="Google Shape;180;p6:notes"/>
           <p:cNvSpPr/>
           <p:nvPr>
             <p:ph idx="2" type="sldImg"/>
@@ -2537,7 +2537,7 @@
   <p:cSld>
     <p:spTree>
       <p:nvGrpSpPr>
-        <p:cNvPr id="187" name="Shape 187"/>
+        <p:cNvPr id="184" name="Shape 184"/>
         <p:cNvGrpSpPr/>
         <p:nvPr/>
       </p:nvGrpSpPr>
@@ -2551,7 +2551,7 @@
       </p:grpSpPr>
       <p:sp>
         <p:nvSpPr>
-          <p:cNvPr id="188" name="Google Shape;188;p7:notes"/>
+          <p:cNvPr id="185" name="Google Shape;185;p7:notes"/>
           <p:cNvSpPr txBox="1"/>
           <p:nvPr>
             <p:ph idx="1" type="body"/>
@@ -2604,7 +2604,7 @@
       </p:sp>
       <p:sp>
         <p:nvSpPr>
-          <p:cNvPr id="189" name="Google Shape;189;p7:notes"/>
+          <p:cNvPr id="186" name="Google Shape;186;p7:notes"/>
           <p:cNvSpPr/>
           <p:nvPr>
             <p:ph idx="2" type="sldImg"/>
@@ -2749,7 +2749,7 @@
   <p:cSld>
     <p:spTree>
       <p:nvGrpSpPr>
-        <p:cNvPr id="193" name="Shape 193"/>
+        <p:cNvPr id="190" name="Shape 190"/>
         <p:cNvGrpSpPr/>
         <p:nvPr/>
       </p:nvGrpSpPr>
@@ -2763,7 +2763,7 @@
       </p:grpSpPr>
       <p:sp>
         <p:nvSpPr>
-          <p:cNvPr id="194" name="Google Shape;194;p8:notes"/>
+          <p:cNvPr id="191" name="Google Shape;191;p8:notes"/>
           <p:cNvSpPr txBox="1"/>
           <p:nvPr>
             <p:ph idx="1" type="body"/>
@@ -2802,7 +2802,7 @@
       </p:sp>
       <p:sp>
         <p:nvSpPr>
-          <p:cNvPr id="195" name="Google Shape;195;p8:notes"/>
+          <p:cNvPr id="192" name="Google Shape;192;p8:notes"/>
           <p:cNvSpPr/>
           <p:nvPr>
             <p:ph idx="2" type="sldImg"/>
@@ -2848,7 +2848,7 @@
   <p:cSld>
     <p:spTree>
       <p:nvGrpSpPr>
-        <p:cNvPr id="199" name="Shape 199"/>
+        <p:cNvPr id="196" name="Shape 196"/>
         <p:cNvGrpSpPr/>
         <p:nvPr/>
       </p:nvGrpSpPr>
@@ -2862,7 +2862,7 @@
       </p:grpSpPr>
       <p:sp>
         <p:nvSpPr>
-          <p:cNvPr id="200" name="Google Shape;200;p9:notes"/>
+          <p:cNvPr id="197" name="Google Shape;197;p9:notes"/>
           <p:cNvSpPr txBox="1"/>
           <p:nvPr>
             <p:ph idx="1" type="body"/>
@@ -2901,7 +2901,7 @@
       </p:sp>
       <p:sp>
         <p:nvSpPr>
-          <p:cNvPr id="201" name="Google Shape;201;p9:notes"/>
+          <p:cNvPr id="198" name="Google Shape;198;p9:notes"/>
           <p:cNvSpPr/>
           <p:nvPr>
             <p:ph idx="2" type="sldImg"/>
@@ -3430,7 +3430,7 @@
   <p:cSld>
     <p:spTree>
       <p:nvGrpSpPr>
-        <p:cNvPr id="91" name="Shape 91"/>
+        <p:cNvPr id="90" name="Shape 90"/>
         <p:cNvGrpSpPr/>
         <p:nvPr/>
       </p:nvGrpSpPr>
@@ -3444,7 +3444,7 @@
       </p:grpSpPr>
       <p:sp>
         <p:nvSpPr>
-          <p:cNvPr id="92" name="Google Shape;92;g3b619a50260_0_0:notes"/>
+          <p:cNvPr id="91" name="Google Shape;91;g3b619a50260_0_0:notes"/>
           <p:cNvSpPr txBox="1"/>
           <p:nvPr>
             <p:ph idx="1" type="body"/>
@@ -3483,7 +3483,7 @@
       </p:sp>
       <p:sp>
         <p:nvSpPr>
-          <p:cNvPr id="93" name="Google Shape;93;g3b619a50260_0_0:notes"/>
+          <p:cNvPr id="92" name="Google Shape;92;g3b619a50260_0_0:notes"/>
           <p:cNvSpPr/>
           <p:nvPr>
             <p:ph idx="2" type="sldImg"/>
@@ -3529,7 +3529,7 @@
   <p:cSld>
     <p:spTree>
       <p:nvGrpSpPr>
-        <p:cNvPr id="99" name="Shape 99"/>
+        <p:cNvPr id="97" name="Shape 97"/>
         <p:cNvGrpSpPr/>
         <p:nvPr/>
       </p:nvGrpSpPr>
@@ -3543,7 +3543,7 @@
       </p:grpSpPr>
       <p:sp>
         <p:nvSpPr>
-          <p:cNvPr id="100" name="Google Shape;100;g3b61ed0dea9_0_55:notes"/>
+          <p:cNvPr id="98" name="Google Shape;98;g3b61ed0dea9_0_55:notes"/>
           <p:cNvSpPr txBox="1"/>
           <p:nvPr>
             <p:ph idx="1" type="body"/>
@@ -3583,7 +3583,7 @@
       </p:sp>
       <p:sp>
         <p:nvSpPr>
-          <p:cNvPr id="101" name="Google Shape;101;g3b61ed0dea9_0_55:notes"/>
+          <p:cNvPr id="99" name="Google Shape;99;g3b61ed0dea9_0_55:notes"/>
           <p:cNvSpPr/>
           <p:nvPr>
             <p:ph idx="2" type="sldImg"/>
@@ -3629,7 +3629,7 @@
   <p:cSld>
     <p:spTree>
       <p:nvGrpSpPr>
-        <p:cNvPr id="105" name="Shape 105"/>
+        <p:cNvPr id="103" name="Shape 103"/>
         <p:cNvGrpSpPr/>
         <p:nvPr/>
       </p:nvGrpSpPr>
@@ -3643,7 +3643,7 @@
       </p:grpSpPr>
       <p:sp>
         <p:nvSpPr>
-          <p:cNvPr id="106" name="Google Shape;106;g3b619a50260_0_10:notes"/>
+          <p:cNvPr id="104" name="Google Shape;104;g3b619a50260_0_10:notes"/>
           <p:cNvSpPr txBox="1"/>
           <p:nvPr>
             <p:ph idx="1" type="body"/>
@@ -3682,7 +3682,7 @@
       </p:sp>
       <p:sp>
         <p:nvSpPr>
-          <p:cNvPr id="107" name="Google Shape;107;g3b619a50260_0_10:notes"/>
+          <p:cNvPr id="105" name="Google Shape;105;g3b619a50260_0_10:notes"/>
           <p:cNvSpPr/>
           <p:nvPr>
             <p:ph idx="2" type="sldImg"/>
@@ -10415,7 +10415,7 @@
         </p:spPr>
         <p:txBody>
           <a:bodyPr anchorCtr="0" anchor="t" bIns="45700" lIns="91425" spcFirstLastPara="1" rIns="91425" wrap="square" tIns="45700">
-            <a:normAutofit/>
+            <a:normAutofit fontScale="77500"/>
           </a:bodyPr>
           <a:lstStyle/>
           <a:p>
@@ -10432,12 +10432,12 @@
               <a:buClr>
                 <a:schemeClr val="lt1"/>
               </a:buClr>
-              <a:buSzPts val="6000"/>
+              <a:buSzPct val="100000"/>
               <a:buNone/>
             </a:pPr>
             <a:r>
               <a:rPr lang="hr-HR"/>
-              <a:t>TLP</a:t>
+              <a:t>TLP (Procedure vođenja trupa)</a:t>
             </a:r>
             <a:endParaRPr/>
           </a:p>
@@ -10456,7 +10456,7 @@
   <p:cSld>
     <p:spTree>
       <p:nvGrpSpPr>
-        <p:cNvPr id="114" name="Shape 114"/>
+        <p:cNvPr id="112" name="Shape 112"/>
         <p:cNvGrpSpPr/>
         <p:nvPr/>
       </p:nvGrpSpPr>
@@ -10470,7 +10470,7 @@
       </p:grpSpPr>
       <p:sp>
         <p:nvSpPr>
-          <p:cNvPr id="115" name="Google Shape;115;p19"/>
+          <p:cNvPr id="113" name="Google Shape;113;p19"/>
           <p:cNvSpPr txBox="1"/>
           <p:nvPr>
             <p:ph idx="1" type="body"/>
@@ -10495,7 +10495,7 @@
           </a:bodyPr>
           <a:lstStyle/>
           <a:p>
-            <a:pPr indent="-342900" lvl="0" marL="342900" rtl="0" algn="l">
+            <a:pPr indent="-323850" lvl="0" marL="342900" rtl="0" algn="l">
               <a:lnSpc>
                 <a:spcPct val="115000"/>
               </a:lnSpc>
@@ -10508,18 +10508,18 @@
               <a:buClr>
                 <a:schemeClr val="dk1"/>
               </a:buClr>
-              <a:buSzPts val="3600"/>
+              <a:buSzPts val="3300"/>
               <a:buFont typeface="Arial"/>
               <a:buChar char="•"/>
             </a:pPr>
             <a:r>
-              <a:rPr lang="hr-HR"/>
+              <a:rPr lang="hr-HR" sz="3300"/>
               <a:t>METT-TC</a:t>
             </a:r>
-            <a:endParaRPr/>
+            <a:endParaRPr sz="3300"/>
           </a:p>
           <a:p>
-            <a:pPr indent="-228600" lvl="1" marL="569912" rtl="0" algn="l">
+            <a:pPr indent="-209550" lvl="1" marL="569912" rtl="0" algn="l">
               <a:lnSpc>
                 <a:spcPct val="115000"/>
               </a:lnSpc>
@@ -10529,14 +10529,14 @@
               <a:spcAft>
                 <a:spcPts val="0"/>
               </a:spcAft>
-              <a:buSzPts val="2800"/>
+              <a:buSzPts val="2500"/>
               <a:buChar char="•"/>
             </a:pPr>
             <a:r>
-              <a:rPr i="1" lang="hr-HR"/>
+              <a:rPr i="1" lang="hr-HR" sz="2500"/>
               <a:t>Mission, Enemy, Terrain, Troops, Time, Civilians</a:t>
             </a:r>
-            <a:endParaRPr/>
+            <a:endParaRPr sz="2500"/>
           </a:p>
           <a:p>
             <a:pPr indent="0" lvl="0" marL="0" rtl="0" algn="l">
@@ -10552,13 +10552,13 @@
               <a:buNone/>
             </a:pPr>
             <a:r>
-              <a:rPr lang="hr-HR"/>
+              <a:rPr lang="hr-HR" sz="3300"/>
               <a:t>Cilj je definirati:</a:t>
             </a:r>
-            <a:endParaRPr/>
+            <a:endParaRPr sz="3300"/>
           </a:p>
           <a:p>
-            <a:pPr indent="-241300" lvl="1" marL="569912" rtl="0" algn="l">
+            <a:pPr indent="-222250" lvl="1" marL="569912" rtl="0" algn="l">
               <a:lnSpc>
                 <a:spcPct val="115000"/>
               </a:lnSpc>
@@ -10568,17 +10568,17 @@
               <a:spcAft>
                 <a:spcPts val="0"/>
               </a:spcAft>
-              <a:buSzPts val="3000"/>
+              <a:buSzPts val="2700"/>
               <a:buChar char="•"/>
             </a:pPr>
             <a:r>
-              <a:rPr lang="hr-HR" sz="3000"/>
+              <a:rPr lang="hr-HR" sz="2700"/>
               <a:t>koja je misija (konačni cilj)</a:t>
             </a:r>
-            <a:endParaRPr sz="3000"/>
+            <a:endParaRPr sz="2700"/>
           </a:p>
           <a:p>
-            <a:pPr indent="-241300" lvl="1" marL="569912" rtl="0" algn="l">
+            <a:pPr indent="-222250" lvl="1" marL="569912" rtl="0" algn="l">
               <a:lnSpc>
                 <a:spcPct val="115000"/>
               </a:lnSpc>
@@ -10588,17 +10588,17 @@
               <a:spcAft>
                 <a:spcPts val="0"/>
               </a:spcAft>
-              <a:buSzPts val="3000"/>
+              <a:buSzPts val="2700"/>
               <a:buChar char="•"/>
             </a:pPr>
             <a:r>
-              <a:rPr lang="hr-HR" sz="3000"/>
+              <a:rPr lang="hr-HR" sz="2700"/>
               <a:t>tko je neprijatelj (APT, pojedinac, grupa)</a:t>
             </a:r>
-            <a:endParaRPr sz="3000"/>
+            <a:endParaRPr sz="2700"/>
           </a:p>
           <a:p>
-            <a:pPr indent="-241300" lvl="1" marL="569912" rtl="0" algn="l">
+            <a:pPr indent="-222250" lvl="1" marL="569912" rtl="0" algn="l">
               <a:lnSpc>
                 <a:spcPct val="115000"/>
               </a:lnSpc>
@@ -10608,17 +10608,17 @@
               <a:spcAft>
                 <a:spcPts val="0"/>
               </a:spcAft>
-              <a:buSzPts val="3000"/>
+              <a:buSzPts val="2700"/>
               <a:buChar char="•"/>
             </a:pPr>
             <a:r>
-              <a:rPr lang="hr-HR" sz="3000"/>
+              <a:rPr lang="hr-HR" sz="2700"/>
               <a:t>kako izgleda naš kompromitirani segment mreže i njegova okolina</a:t>
             </a:r>
-            <a:endParaRPr sz="3000"/>
+            <a:endParaRPr sz="2700"/>
           </a:p>
           <a:p>
-            <a:pPr indent="-241300" lvl="1" marL="569912" rtl="0" algn="l">
+            <a:pPr indent="-222250" lvl="1" marL="569912" rtl="0" algn="l">
               <a:lnSpc>
                 <a:spcPct val="115000"/>
               </a:lnSpc>
@@ -10628,17 +10628,17 @@
               <a:spcAft>
                 <a:spcPts val="0"/>
               </a:spcAft>
-              <a:buSzPts val="3000"/>
+              <a:buSzPts val="2700"/>
               <a:buChar char="•"/>
             </a:pPr>
             <a:r>
-              <a:rPr lang="hr-HR" sz="3000"/>
+              <a:rPr lang="hr-HR" sz="2700"/>
               <a:t>tko je od ljudstva dostupan (on-site, može doći on-site, nedostupni)</a:t>
             </a:r>
-            <a:endParaRPr sz="3000"/>
+            <a:endParaRPr sz="2700"/>
           </a:p>
           <a:p>
-            <a:pPr indent="-241300" lvl="1" marL="569912" rtl="0" algn="l">
+            <a:pPr indent="-222250" lvl="1" marL="569912" rtl="0" algn="l">
               <a:lnSpc>
                 <a:spcPct val="115000"/>
               </a:lnSpc>
@@ -10648,17 +10648,17 @@
               <a:spcAft>
                 <a:spcPts val="0"/>
               </a:spcAft>
-              <a:buSzPts val="3000"/>
+              <a:buSzPts val="2700"/>
               <a:buChar char="•"/>
             </a:pPr>
             <a:r>
-              <a:rPr lang="hr-HR" sz="3000"/>
+              <a:rPr lang="hr-HR" sz="2700"/>
               <a:t>analiza vremena (operativnog i onog što smo saznali u 1. koraku)</a:t>
             </a:r>
-            <a:endParaRPr sz="3000"/>
+            <a:endParaRPr sz="2700"/>
           </a:p>
           <a:p>
-            <a:pPr indent="-304800" lvl="0" marL="342900" rtl="0" algn="l">
+            <a:pPr indent="-285750" lvl="0" marL="342900" rtl="0" algn="l">
               <a:lnSpc>
                 <a:spcPct val="115000"/>
               </a:lnSpc>
@@ -10668,20 +10668,20 @@
               <a:spcAft>
                 <a:spcPts val="0"/>
               </a:spcAft>
-              <a:buSzPts val="3000"/>
+              <a:buSzPts val="2700"/>
               <a:buChar char="•"/>
             </a:pPr>
             <a:r>
-              <a:rPr lang="hr-HR" sz="3000"/>
+              <a:rPr lang="hr-HR" sz="2700"/>
               <a:t>Na temelju odgovora na ova pitanja stvara se inicijalni plan</a:t>
             </a:r>
-            <a:endParaRPr sz="3000"/>
+            <a:endParaRPr sz="2700"/>
           </a:p>
         </p:txBody>
       </p:sp>
       <p:sp>
         <p:nvSpPr>
-          <p:cNvPr id="116" name="Google Shape;116;p19"/>
+          <p:cNvPr id="114" name="Google Shape;114;p19"/>
           <p:cNvSpPr txBox="1"/>
           <p:nvPr>
             <p:ph idx="2" type="body"/>
@@ -10741,7 +10741,7 @@
   <p:cSld>
     <p:spTree>
       <p:nvGrpSpPr>
-        <p:cNvPr id="120" name="Shape 120"/>
+        <p:cNvPr id="118" name="Shape 118"/>
         <p:cNvGrpSpPr/>
         <p:nvPr/>
       </p:nvGrpSpPr>
@@ -10755,7 +10755,7 @@
       </p:grpSpPr>
       <p:sp>
         <p:nvSpPr>
-          <p:cNvPr id="121" name="Google Shape;121;p20"/>
+          <p:cNvPr id="119" name="Google Shape;119;p20"/>
           <p:cNvSpPr txBox="1"/>
           <p:nvPr>
             <p:ph idx="1" type="body"/>
@@ -10907,7 +10907,7 @@
       </p:sp>
       <p:sp>
         <p:nvSpPr>
-          <p:cNvPr id="122" name="Google Shape;122;p20"/>
+          <p:cNvPr id="120" name="Google Shape;120;p20"/>
           <p:cNvSpPr txBox="1"/>
           <p:nvPr>
             <p:ph idx="2" type="body"/>
@@ -10967,7 +10967,7 @@
   <p:cSld>
     <p:spTree>
       <p:nvGrpSpPr>
-        <p:cNvPr id="126" name="Shape 126"/>
+        <p:cNvPr id="124" name="Shape 124"/>
         <p:cNvGrpSpPr/>
         <p:nvPr/>
       </p:nvGrpSpPr>
@@ -10981,7 +10981,7 @@
       </p:grpSpPr>
       <p:sp>
         <p:nvSpPr>
-          <p:cNvPr id="127" name="Google Shape;127;p21"/>
+          <p:cNvPr id="125" name="Google Shape;125;p21"/>
           <p:cNvSpPr txBox="1"/>
           <p:nvPr>
             <p:ph idx="1" type="body"/>
@@ -11065,7 +11065,7 @@
             </a:pPr>
             <a:r>
               <a:rPr lang="hr-HR"/>
-              <a:t>provjera integriteta datotek (Tripwire)</a:t>
+              <a:t>provjera integriteta datoteka (Tripwire)</a:t>
             </a:r>
             <a:endParaRPr/>
           </a:p>
@@ -11093,7 +11093,7 @@
       </p:sp>
       <p:sp>
         <p:nvSpPr>
-          <p:cNvPr id="128" name="Google Shape;128;p21"/>
+          <p:cNvPr id="126" name="Google Shape;126;p21"/>
           <p:cNvSpPr txBox="1"/>
           <p:nvPr>
             <p:ph idx="2" type="body"/>
@@ -11153,7 +11153,7 @@
   <p:cSld>
     <p:spTree>
       <p:nvGrpSpPr>
-        <p:cNvPr id="132" name="Shape 132"/>
+        <p:cNvPr id="130" name="Shape 130"/>
         <p:cNvGrpSpPr/>
         <p:nvPr/>
       </p:nvGrpSpPr>
@@ -11167,7 +11167,7 @@
       </p:grpSpPr>
       <p:sp>
         <p:nvSpPr>
-          <p:cNvPr id="133" name="Google Shape;133;p22"/>
+          <p:cNvPr id="131" name="Google Shape;131;p22"/>
           <p:cNvSpPr txBox="1"/>
           <p:nvPr>
             <p:ph idx="1" type="body"/>
@@ -11339,7 +11339,7 @@
       </p:sp>
       <p:sp>
         <p:nvSpPr>
-          <p:cNvPr id="134" name="Google Shape;134;p22"/>
+          <p:cNvPr id="132" name="Google Shape;132;p22"/>
           <p:cNvSpPr txBox="1"/>
           <p:nvPr>
             <p:ph idx="2" type="body"/>
@@ -11399,7 +11399,7 @@
   <p:cSld>
     <p:spTree>
       <p:nvGrpSpPr>
-        <p:cNvPr id="138" name="Shape 138"/>
+        <p:cNvPr id="136" name="Shape 136"/>
         <p:cNvGrpSpPr/>
         <p:nvPr/>
       </p:nvGrpSpPr>
@@ -11413,7 +11413,7 @@
       </p:grpSpPr>
       <p:sp>
         <p:nvSpPr>
-          <p:cNvPr id="139" name="Google Shape;139;p23"/>
+          <p:cNvPr id="137" name="Google Shape;137;p23"/>
           <p:cNvSpPr txBox="1"/>
           <p:nvPr>
             <p:ph idx="1" type="body"/>
@@ -11505,7 +11505,7 @@
       </p:sp>
       <p:sp>
         <p:nvSpPr>
-          <p:cNvPr id="140" name="Google Shape;140;p23"/>
+          <p:cNvPr id="138" name="Google Shape;138;p23"/>
           <p:cNvSpPr txBox="1"/>
           <p:nvPr>
             <p:ph idx="2" type="body"/>
@@ -11565,7 +11565,7 @@
   <p:cSld>
     <p:spTree>
       <p:nvGrpSpPr>
-        <p:cNvPr id="144" name="Shape 144"/>
+        <p:cNvPr id="142" name="Shape 142"/>
         <p:cNvGrpSpPr/>
         <p:nvPr/>
       </p:nvGrpSpPr>
@@ -11579,7 +11579,7 @@
       </p:grpSpPr>
       <p:sp>
         <p:nvSpPr>
-          <p:cNvPr id="145" name="Google Shape;145;p24"/>
+          <p:cNvPr id="143" name="Google Shape;143;p24"/>
           <p:cNvSpPr txBox="1"/>
           <p:nvPr>
             <p:ph idx="1" type="body"/>
@@ -11751,7 +11751,7 @@
       </p:sp>
       <p:sp>
         <p:nvSpPr>
-          <p:cNvPr id="146" name="Google Shape;146;p24"/>
+          <p:cNvPr id="144" name="Google Shape;144;p24"/>
           <p:cNvSpPr txBox="1"/>
           <p:nvPr>
             <p:ph idx="2" type="body"/>
@@ -11811,7 +11811,7 @@
   <p:cSld>
     <p:spTree>
       <p:nvGrpSpPr>
-        <p:cNvPr id="151" name="Shape 151"/>
+        <p:cNvPr id="149" name="Shape 149"/>
         <p:cNvGrpSpPr/>
         <p:nvPr/>
       </p:nvGrpSpPr>
@@ -11825,7 +11825,7 @@
       </p:grpSpPr>
       <p:sp>
         <p:nvSpPr>
-          <p:cNvPr id="152" name="Google Shape;152;p25"/>
+          <p:cNvPr id="150" name="Google Shape;150;p25"/>
           <p:cNvSpPr txBox="1"/>
           <p:nvPr>
             <p:ph idx="1" type="body"/>
@@ -11944,7 +11944,7 @@
                 <a:cs typeface="Calibri"/>
                 <a:sym typeface="Calibri"/>
               </a:rPr>
-              <a:t> - TLP agregira svu odgovornost na jednu osobu od kog se očekuje da donese odluku za svaku stvar; u kibernetičkim incidentima nastaje tolika količina informacija da nije moguće da uz razumijevanje istih davati naredbe efektivno</a:t>
+              <a:t> - TLP agregira svu odgovornost na jednu osobu od koje se očekuje da donese odluku za svaku stvar; u kibernetičkim incidentima nastaje tolika količina informacija da nije moguće da uz razumijevanje istih možemo davati naredbe efektivno</a:t>
             </a:r>
             <a:endParaRPr sz="3700"/>
           </a:p>
@@ -11952,7 +11952,7 @@
       </p:sp>
       <p:sp>
         <p:nvSpPr>
-          <p:cNvPr id="153" name="Google Shape;153;p25"/>
+          <p:cNvPr id="151" name="Google Shape;151;p25"/>
           <p:cNvSpPr txBox="1"/>
           <p:nvPr>
             <p:ph idx="2" type="body"/>
@@ -12003,7 +12003,7 @@
   <p:cSld>
     <p:spTree>
       <p:nvGrpSpPr>
-        <p:cNvPr id="158" name="Shape 158"/>
+        <p:cNvPr id="156" name="Shape 156"/>
         <p:cNvGrpSpPr/>
         <p:nvPr/>
       </p:nvGrpSpPr>
@@ -12017,7 +12017,7 @@
       </p:grpSpPr>
       <p:sp>
         <p:nvSpPr>
-          <p:cNvPr id="159" name="Google Shape;159;p26"/>
+          <p:cNvPr id="157" name="Google Shape;157;p26"/>
           <p:cNvSpPr txBox="1"/>
           <p:nvPr>
             <p:ph idx="1" type="body"/>
@@ -12185,7 +12185,7 @@
       </p:sp>
       <p:sp>
         <p:nvSpPr>
-          <p:cNvPr id="160" name="Google Shape;160;p26"/>
+          <p:cNvPr id="158" name="Google Shape;158;p26"/>
           <p:cNvSpPr txBox="1"/>
           <p:nvPr>
             <p:ph idx="2" type="body"/>
@@ -12225,7 +12225,7 @@
       </p:sp>
       <p:grpSp>
         <p:nvGrpSpPr>
-          <p:cNvPr id="161" name="Google Shape;161;p26"/>
+          <p:cNvPr id="159" name="Google Shape;159;p26"/>
           <p:cNvGrpSpPr/>
           <p:nvPr/>
         </p:nvGrpSpPr>
@@ -12239,7 +12239,7 @@
         </p:grpSpPr>
         <p:grpSp>
           <p:nvGrpSpPr>
-            <p:cNvPr id="162" name="Google Shape;162;p26"/>
+            <p:cNvPr id="160" name="Google Shape;160;p26"/>
             <p:cNvGrpSpPr/>
             <p:nvPr/>
           </p:nvGrpSpPr>
@@ -12253,7 +12253,7 @@
           </p:grpSpPr>
           <p:sp>
             <p:nvSpPr>
-              <p:cNvPr id="163" name="Google Shape;163;p26"/>
+              <p:cNvPr id="161" name="Google Shape;161;p26"/>
               <p:cNvSpPr/>
               <p:nvPr/>
             </p:nvSpPr>
@@ -12340,7 +12340,7 @@
           </p:sp>
           <p:sp>
             <p:nvSpPr>
-              <p:cNvPr id="164" name="Google Shape;164;p26"/>
+              <p:cNvPr id="162" name="Google Shape;162;p26"/>
               <p:cNvSpPr/>
               <p:nvPr/>
             </p:nvSpPr>
@@ -12427,7 +12427,7 @@
           </p:sp>
           <p:sp>
             <p:nvSpPr>
-              <p:cNvPr id="165" name="Google Shape;165;p26"/>
+              <p:cNvPr id="163" name="Google Shape;163;p26"/>
               <p:cNvSpPr txBox="1"/>
               <p:nvPr/>
             </p:nvSpPr>
@@ -12486,7 +12486,7 @@
         </p:grpSp>
         <p:grpSp>
           <p:nvGrpSpPr>
-            <p:cNvPr id="166" name="Google Shape;166;p26"/>
+            <p:cNvPr id="164" name="Google Shape;164;p26"/>
             <p:cNvGrpSpPr/>
             <p:nvPr/>
           </p:nvGrpSpPr>
@@ -12500,7 +12500,7 @@
           </p:grpSpPr>
           <p:sp>
             <p:nvSpPr>
-              <p:cNvPr id="167" name="Google Shape;167;p26"/>
+              <p:cNvPr id="165" name="Google Shape;165;p26"/>
               <p:cNvSpPr/>
               <p:nvPr/>
             </p:nvSpPr>
@@ -12587,7 +12587,7 @@
           </p:sp>
           <p:sp>
             <p:nvSpPr>
-              <p:cNvPr id="168" name="Google Shape;168;p26"/>
+              <p:cNvPr id="166" name="Google Shape;166;p26"/>
               <p:cNvSpPr/>
               <p:nvPr/>
             </p:nvSpPr>
@@ -12674,7 +12674,7 @@
           </p:sp>
           <p:sp>
             <p:nvSpPr>
-              <p:cNvPr id="169" name="Google Shape;169;p26"/>
+              <p:cNvPr id="167" name="Google Shape;167;p26"/>
               <p:cNvSpPr txBox="1"/>
               <p:nvPr/>
             </p:nvSpPr>
@@ -12733,7 +12733,7 @@
         </p:grpSp>
         <p:grpSp>
           <p:nvGrpSpPr>
-            <p:cNvPr id="170" name="Google Shape;170;p26"/>
+            <p:cNvPr id="168" name="Google Shape;168;p26"/>
             <p:cNvGrpSpPr/>
             <p:nvPr/>
           </p:nvGrpSpPr>
@@ -12747,7 +12747,7 @@
           </p:grpSpPr>
           <p:sp>
             <p:nvSpPr>
-              <p:cNvPr id="171" name="Google Shape;171;p26"/>
+              <p:cNvPr id="169" name="Google Shape;169;p26"/>
               <p:cNvSpPr/>
               <p:nvPr/>
             </p:nvSpPr>
@@ -12834,7 +12834,7 @@
           </p:sp>
           <p:sp>
             <p:nvSpPr>
-              <p:cNvPr id="172" name="Google Shape;172;p26"/>
+              <p:cNvPr id="170" name="Google Shape;170;p26"/>
               <p:cNvSpPr/>
               <p:nvPr/>
             </p:nvSpPr>
@@ -12921,7 +12921,7 @@
           </p:sp>
           <p:sp>
             <p:nvSpPr>
-              <p:cNvPr id="173" name="Google Shape;173;p26"/>
+              <p:cNvPr id="171" name="Google Shape;171;p26"/>
               <p:cNvSpPr txBox="1"/>
               <p:nvPr/>
             </p:nvSpPr>
@@ -12980,7 +12980,7 @@
         </p:grpSp>
         <p:grpSp>
           <p:nvGrpSpPr>
-            <p:cNvPr id="174" name="Google Shape;174;p26"/>
+            <p:cNvPr id="172" name="Google Shape;172;p26"/>
             <p:cNvGrpSpPr/>
             <p:nvPr/>
           </p:nvGrpSpPr>
@@ -12994,7 +12994,7 @@
           </p:grpSpPr>
           <p:sp>
             <p:nvSpPr>
-              <p:cNvPr id="175" name="Google Shape;175;p26"/>
+              <p:cNvPr id="173" name="Google Shape;173;p26"/>
               <p:cNvSpPr/>
               <p:nvPr/>
             </p:nvSpPr>
@@ -13081,7 +13081,7 @@
           </p:sp>
           <p:sp>
             <p:nvSpPr>
-              <p:cNvPr id="176" name="Google Shape;176;p26"/>
+              <p:cNvPr id="174" name="Google Shape;174;p26"/>
               <p:cNvSpPr/>
               <p:nvPr/>
             </p:nvSpPr>
@@ -13168,7 +13168,7 @@
           </p:sp>
           <p:sp>
             <p:nvSpPr>
-              <p:cNvPr id="177" name="Google Shape;177;p26"/>
+              <p:cNvPr id="175" name="Google Shape;175;p26"/>
               <p:cNvSpPr txBox="1"/>
               <p:nvPr/>
             </p:nvSpPr>
@@ -13227,7 +13227,7 @@
         </p:grpSp>
         <p:sp>
           <p:nvSpPr>
-            <p:cNvPr id="178" name="Google Shape;178;p26"/>
+            <p:cNvPr id="176" name="Google Shape;176;p26"/>
             <p:cNvSpPr/>
             <p:nvPr/>
           </p:nvSpPr>
@@ -13271,7 +13271,7 @@
       </p:grpSp>
       <p:sp>
         <p:nvSpPr>
-          <p:cNvPr id="179" name="Google Shape;179;p26"/>
+          <p:cNvPr id="177" name="Google Shape;177;p26"/>
           <p:cNvSpPr txBox="1"/>
           <p:nvPr/>
         </p:nvSpPr>
@@ -13319,145 +13319,11 @@
           </a:p>
         </p:txBody>
       </p:sp>
-      <p:sp>
-        <p:nvSpPr>
-          <p:cNvPr id="180" name="Google Shape;180;p26"/>
-          <p:cNvSpPr/>
-          <p:nvPr/>
-        </p:nvSpPr>
-        <p:spPr>
-          <a:xfrm>
-            <a:off x="10147750" y="3836525"/>
-            <a:ext cx="1857900" cy="1857900"/>
-          </a:xfrm>
-          <a:prstGeom prst="mathMultiply">
-            <a:avLst>
-              <a:gd fmla="val 23520" name="adj1"/>
-            </a:avLst>
-          </a:prstGeom>
-          <a:solidFill>
-            <a:srgbClr val="FF0000"/>
-          </a:solidFill>
-          <a:ln cap="flat" cmpd="sng" w="9525">
-            <a:solidFill>
-              <a:schemeClr val="dk2"/>
-            </a:solidFill>
-            <a:prstDash val="solid"/>
-            <a:round/>
-            <a:headEnd len="sm" w="sm" type="none"/>
-            <a:tailEnd len="sm" w="sm" type="none"/>
-          </a:ln>
-        </p:spPr>
-        <p:txBody>
-          <a:bodyPr anchorCtr="0" anchor="ctr" bIns="91425" lIns="91425" spcFirstLastPara="1" rIns="91425" wrap="square" tIns="91425">
-            <a:noAutofit/>
-          </a:bodyPr>
-          <a:lstStyle/>
-          <a:p>
-            <a:pPr indent="0" lvl="0" marL="0" rtl="0" algn="ctr">
-              <a:spcBef>
-                <a:spcPts val="0"/>
-              </a:spcBef>
-              <a:spcAft>
-                <a:spcPts val="0"/>
-              </a:spcAft>
-              <a:buNone/>
-            </a:pPr>
-            <a:r>
-              <a:t/>
-            </a:r>
-            <a:endParaRPr/>
-          </a:p>
-        </p:txBody>
-      </p:sp>
     </p:spTree>
   </p:cSld>
   <p:clrMapOvr>
     <a:masterClrMapping/>
   </p:clrMapOvr>
-  <p:timing>
-    <p:tnLst>
-      <p:par>
-        <p:cTn dur="indefinite" nodeType="tmRoot" restart="never">
-          <p:childTnLst>
-            <p:seq concurrent="1" nextAc="seek">
-              <p:cTn dur="indefinite" id="2" nodeType="mainSeq">
-                <p:childTnLst>
-                  <p:par>
-                    <p:cTn fill="hold">
-                      <p:stCondLst>
-                        <p:cond delay="indefinite"/>
-                      </p:stCondLst>
-                      <p:childTnLst>
-                        <p:par>
-                          <p:cTn fill="hold">
-                            <p:stCondLst>
-                              <p:cond delay="0"/>
-                            </p:stCondLst>
-                            <p:childTnLst>
-                              <p:par>
-                                <p:cTn fill="hold" nodeType="clickEffect" presetClass="entr" presetID="10" presetSubtype="0">
-                                  <p:stCondLst>
-                                    <p:cond delay="0"/>
-                                  </p:stCondLst>
-                                  <p:childTnLst>
-                                    <p:set>
-                                      <p:cBhvr>
-                                        <p:cTn dur="1" fill="hold">
-                                          <p:stCondLst>
-                                            <p:cond delay="0"/>
-                                          </p:stCondLst>
-                                        </p:cTn>
-                                        <p:tgtEl>
-                                          <p:spTgt spid="180"/>
-                                        </p:tgtEl>
-                                        <p:attrNameLst>
-                                          <p:attrName>style.visibility</p:attrName>
-                                        </p:attrNameLst>
-                                      </p:cBhvr>
-                                      <p:to>
-                                        <p:strVal val="visible"/>
-                                      </p:to>
-                                    </p:set>
-                                    <p:animEffect filter="fade" transition="in">
-                                      <p:cBhvr>
-                                        <p:cTn dur="1500"/>
-                                        <p:tgtEl>
-                                          <p:spTgt spid="180"/>
-                                        </p:tgtEl>
-                                      </p:cBhvr>
-                                    </p:animEffect>
-                                  </p:childTnLst>
-                                </p:cTn>
-                              </p:par>
-                            </p:childTnLst>
-                          </p:cTn>
-                        </p:par>
-                      </p:childTnLst>
-                    </p:cTn>
-                  </p:par>
-                </p:childTnLst>
-              </p:cTn>
-              <p:prevCondLst>
-                <p:cond evt="onPrev">
-                  <p:tgtEl>
-                    <p:sldTgt/>
-                  </p:tgtEl>
-                </p:cond>
-              </p:prevCondLst>
-              <p:nextCondLst>
-                <p:cond evt="onNext">
-                  <p:tgtEl>
-                    <p:sldTgt/>
-                  </p:tgtEl>
-                </p:cond>
-              </p:nextCondLst>
-            </p:seq>
-          </p:childTnLst>
-        </p:cTn>
-      </p:par>
-    </p:tnLst>
-  </p:timing>
 </p:sld>
 </file>
 
@@ -13466,7 +13332,7 @@
   <p:cSld>
     <p:spTree>
       <p:nvGrpSpPr>
-        <p:cNvPr id="184" name="Shape 184"/>
+        <p:cNvPr id="181" name="Shape 181"/>
         <p:cNvGrpSpPr/>
         <p:nvPr/>
       </p:nvGrpSpPr>
@@ -13480,7 +13346,7 @@
       </p:grpSpPr>
       <p:sp>
         <p:nvSpPr>
-          <p:cNvPr id="185" name="Google Shape;185;p27"/>
+          <p:cNvPr id="182" name="Google Shape;182;p27"/>
           <p:cNvSpPr txBox="1"/>
           <p:nvPr>
             <p:ph idx="1" type="body"/>
@@ -13592,7 +13458,7 @@
       </p:sp>
       <p:sp>
         <p:nvSpPr>
-          <p:cNvPr id="186" name="Google Shape;186;p27"/>
+          <p:cNvPr id="183" name="Google Shape;183;p27"/>
           <p:cNvSpPr txBox="1"/>
           <p:nvPr>
             <p:ph idx="2" type="body"/>
@@ -13655,7 +13521,7 @@
   <p:cSld>
     <p:spTree>
       <p:nvGrpSpPr>
-        <p:cNvPr id="190" name="Shape 190"/>
+        <p:cNvPr id="187" name="Shape 187"/>
         <p:cNvGrpSpPr/>
         <p:nvPr/>
       </p:nvGrpSpPr>
@@ -13669,7 +13535,7 @@
       </p:grpSpPr>
       <p:sp>
         <p:nvSpPr>
-          <p:cNvPr id="191" name="Google Shape;191;p28"/>
+          <p:cNvPr id="188" name="Google Shape;188;p28"/>
           <p:cNvSpPr txBox="1"/>
           <p:nvPr>
             <p:ph idx="1" type="body"/>
@@ -13694,221 +13560,237 @@
           </a:bodyPr>
           <a:lstStyle/>
           <a:p>
-            <a:pPr indent="-260350" lvl="0" marL="342900" rtl="0" algn="l">
-              <a:lnSpc>
-                <a:spcPct val="100000"/>
-              </a:lnSpc>
-              <a:spcBef>
-                <a:spcPts val="0"/>
-              </a:spcBef>
-              <a:spcAft>
-                <a:spcPts val="0"/>
-              </a:spcAft>
-              <a:buClr>
-                <a:schemeClr val="dk1"/>
-              </a:buClr>
-              <a:buSzPts val="2300"/>
-              <a:buFont typeface="Arial"/>
+            <a:pPr indent="-228600" lvl="0" marL="342900" rtl="0" algn="l">
+              <a:lnSpc>
+                <a:spcPct val="115000"/>
+              </a:lnSpc>
+              <a:spcBef>
+                <a:spcPts val="0"/>
+              </a:spcBef>
+              <a:spcAft>
+                <a:spcPts val="0"/>
+              </a:spcAft>
+              <a:buSzPts val="1800"/>
               <a:buChar char="•"/>
             </a:pPr>
             <a:r>
-              <a:rPr lang="hr-HR" sz="2300" u="sng">
+              <a:rPr lang="hr-HR" sz="1800"/>
+              <a:t>U.S. Army Combined Arms Doctrine Directorate. "Troop Leading Procedures." </a:t>
+            </a:r>
+            <a:r>
+              <a:rPr lang="hr-HR" sz="1800" u="sng">
                 <a:solidFill>
                   <a:schemeClr val="hlink"/>
                 </a:solidFill>
                 <a:hlinkClick r:id="rId3"/>
               </a:rPr>
-              <a:t>https://www.youtube.com/watch?v=MW8PLWazisE</a:t>
+              <a:t>YouTube (2022)</a:t>
+            </a:r>
+            <a:endParaRPr sz="1800"/>
+          </a:p>
+          <a:p>
+            <a:pPr indent="-228600" lvl="0" marL="342900" rtl="0" algn="l">
+              <a:lnSpc>
+                <a:spcPct val="115000"/>
+              </a:lnSpc>
+              <a:spcBef>
+                <a:spcPts val="0"/>
+              </a:spcBef>
+              <a:spcAft>
+                <a:spcPts val="0"/>
+              </a:spcAft>
+              <a:buSzPts val="1800"/>
+              <a:buChar char="•"/>
+            </a:pPr>
+            <a:r>
+              <a:rPr lang="hr-HR" sz="1800"/>
+              <a:t>US Army. </a:t>
             </a:r>
             <a:r>
-              <a:rPr lang="hr-HR" sz="2300"/>
-              <a:t> - posjećeno 10.1., Troop Leading Procedures</a:t>
+              <a:rPr lang="hr-HR" sz="1800" u="sng">
+                <a:solidFill>
+                  <a:schemeClr val="hlink"/>
+                </a:solidFill>
+                <a:hlinkClick r:id="rId4"/>
+              </a:rPr>
+              <a:t>"Small Unit Leader Cards: Troop-Leading Procedures."</a:t>
             </a:r>
-            <a:endParaRPr sz="2300"/>
+            <a:r>
+              <a:rPr lang="hr-HR" sz="1800"/>
+              <a:t> United States Army Combat Readiness Center (2021)</a:t>
+            </a:r>
+            <a:endParaRPr sz="1800"/>
           </a:p>
           <a:p>
-            <a:pPr indent="-260350" lvl="0" marL="342900" rtl="0" algn="l">
-              <a:lnSpc>
-                <a:spcPct val="100000"/>
-              </a:lnSpc>
-              <a:spcBef>
-                <a:spcPts val="0"/>
-              </a:spcBef>
-              <a:spcAft>
-                <a:spcPts val="0"/>
-              </a:spcAft>
-              <a:buSzPts val="2300"/>
+            <a:pPr indent="-228600" lvl="0" marL="342900" rtl="0" algn="l">
+              <a:lnSpc>
+                <a:spcPct val="115000"/>
+              </a:lnSpc>
+              <a:spcBef>
+                <a:spcPts val="0"/>
+              </a:spcBef>
+              <a:spcAft>
+                <a:spcPts val="0"/>
+              </a:spcAft>
+              <a:buSzPts val="1800"/>
               <a:buChar char="•"/>
             </a:pPr>
             <a:r>
-              <a:rPr lang="hr-HR" sz="2300" u="sng">
-                <a:solidFill>
-                  <a:schemeClr val="hlink"/>
-                </a:solidFill>
-                <a:hlinkClick r:id="rId4"/>
-              </a:rPr>
-              <a:t>https://safety.army.mil/Portals/0/Documents/MEDIA/SMALLUNITLEADERCARDS/Standard/Troop-Leading-Procedures.pdf</a:t>
+              <a:rPr lang="hr-HR" sz="1800"/>
+              <a:t>Wikipedia. </a:t>
             </a:r>
             <a:r>
-              <a:rPr lang="hr-HR" sz="2300"/>
-              <a:t> - posjećeno 10.1.</a:t>
+              <a:rPr lang="hr-HR" sz="1800" u="sng">
+                <a:solidFill>
+                  <a:schemeClr val="hlink"/>
+                </a:solidFill>
+                <a:hlinkClick r:id="rId5"/>
+              </a:rPr>
+              <a:t>"Troop Leading Procedures."</a:t>
             </a:r>
-            <a:endParaRPr sz="2300"/>
+            <a:r>
+              <a:rPr lang="hr-HR" sz="1800"/>
+              <a:t> Wikipedia, The Free Encyclopedia (2024)</a:t>
+            </a:r>
+            <a:endParaRPr sz="1800"/>
           </a:p>
           <a:p>
-            <a:pPr indent="-260350" lvl="0" marL="342900" rtl="0" algn="l">
-              <a:lnSpc>
-                <a:spcPct val="100000"/>
-              </a:lnSpc>
-              <a:spcBef>
-                <a:spcPts val="0"/>
-              </a:spcBef>
-              <a:spcAft>
-                <a:spcPts val="0"/>
-              </a:spcAft>
-              <a:buSzPts val="2300"/>
+            <a:pPr indent="-228600" lvl="0" marL="342900" rtl="0" algn="l">
+              <a:lnSpc>
+                <a:spcPct val="115000"/>
+              </a:lnSpc>
+              <a:spcBef>
+                <a:spcPts val="0"/>
+              </a:spcBef>
+              <a:spcAft>
+                <a:spcPts val="0"/>
+              </a:spcAft>
+              <a:buSzPts val="1800"/>
               <a:buChar char="•"/>
             </a:pPr>
             <a:r>
-              <a:rPr lang="hr-HR" sz="2300" u="sng">
-                <a:solidFill>
-                  <a:schemeClr val="hlink"/>
-                </a:solidFill>
-                <a:hlinkClick r:id="rId5"/>
-              </a:rPr>
-              <a:t>https://en.wikipedia.org/wiki/Troop_Leading_Procedures</a:t>
+              <a:rPr lang="hr-HR" sz="1800"/>
+              <a:t>Wikipedia. </a:t>
             </a:r>
             <a:r>
-              <a:rPr lang="hr-HR" sz="2300"/>
-              <a:t> - </a:t>
+              <a:rPr lang="hr-HR" sz="1800" u="sng">
+                <a:solidFill>
+                  <a:schemeClr val="hlink"/>
+                </a:solidFill>
+                <a:hlinkClick r:id="rId6"/>
+              </a:rPr>
+              <a:t>"Military Decision Making Process."</a:t>
             </a:r>
             <a:r>
-              <a:rPr lang="hr-HR" sz="2300"/>
-              <a:t>posjećeno 10.1.</a:t>
+              <a:rPr lang="hr-HR" sz="1800"/>
+              <a:t> Wikipedia, The Free Encyclopedia (2024)</a:t>
             </a:r>
-            <a:endParaRPr sz="2300"/>
+            <a:endParaRPr sz="1800"/>
           </a:p>
           <a:p>
-            <a:pPr indent="-260350" lvl="0" marL="342900" rtl="0" algn="l">
-              <a:lnSpc>
-                <a:spcPct val="100000"/>
-              </a:lnSpc>
-              <a:spcBef>
-                <a:spcPts val="0"/>
-              </a:spcBef>
-              <a:spcAft>
-                <a:spcPts val="0"/>
-              </a:spcAft>
-              <a:buSzPts val="2300"/>
+            <a:pPr indent="-228600" lvl="0" marL="342900" rtl="0" algn="l">
+              <a:lnSpc>
+                <a:spcPct val="115000"/>
+              </a:lnSpc>
+              <a:spcBef>
+                <a:spcPts val="0"/>
+              </a:spcBef>
+              <a:spcAft>
+                <a:spcPts val="0"/>
+              </a:spcAft>
+              <a:buSzPts val="1800"/>
               <a:buChar char="•"/>
             </a:pPr>
             <a:r>
-              <a:rPr lang="hr-HR" sz="2300" u="sng">
-                <a:solidFill>
-                  <a:schemeClr val="hlink"/>
-                </a:solidFill>
-                <a:hlinkClick r:id="rId6"/>
-              </a:rPr>
-              <a:t>https://en.wikipedia.org/wiki/Military_Decision_Making_Process</a:t>
+              <a:rPr lang="hr-HR" sz="1800"/>
+              <a:t>EducationConnection. </a:t>
             </a:r>
             <a:r>
-              <a:rPr lang="hr-HR" sz="2300"/>
-              <a:t> - posjećeno 10.1.</a:t>
+              <a:rPr lang="hr-HR" sz="1800" u="sng">
+                <a:solidFill>
+                  <a:schemeClr val="hlink"/>
+                </a:solidFill>
+                <a:hlinkClick r:id="rId7"/>
+              </a:rPr>
+              <a:t>"Army Study Guide: Understanding Troop Leading Procedures in 8 Steps."</a:t>
             </a:r>
-            <a:endParaRPr sz="2300"/>
+            <a:r>
+              <a:rPr lang="hr-HR" sz="1800"/>
+              <a:t> EducationConnection (2024)</a:t>
+            </a:r>
+            <a:endParaRPr sz="1800"/>
           </a:p>
           <a:p>
-            <a:pPr indent="-260350" lvl="0" marL="342900" rtl="0" algn="l">
-              <a:lnSpc>
-                <a:spcPct val="100000"/>
-              </a:lnSpc>
-              <a:spcBef>
-                <a:spcPts val="0"/>
-              </a:spcBef>
-              <a:spcAft>
-                <a:spcPts val="0"/>
-              </a:spcAft>
-              <a:buSzPts val="2300"/>
+            <a:pPr indent="-228600" lvl="0" marL="342900" rtl="0" algn="l">
+              <a:lnSpc>
+                <a:spcPct val="115000"/>
+              </a:lnSpc>
+              <a:spcBef>
+                <a:spcPts val="0"/>
+              </a:spcBef>
+              <a:spcAft>
+                <a:spcPts val="0"/>
+              </a:spcAft>
+              <a:buSzPts val="1800"/>
               <a:buChar char="•"/>
             </a:pPr>
             <a:r>
-              <a:rPr lang="hr-HR" sz="2300" u="sng">
-                <a:solidFill>
-                  <a:schemeClr val="hlink"/>
-                </a:solidFill>
-                <a:hlinkClick r:id="rId7"/>
-              </a:rPr>
-              <a:t>https://www.educationconnection.com/army-study-guide/troop-leading-procedures/</a:t>
+              <a:rPr lang="hr-HR" sz="1800"/>
+              <a:t>SSH Academy. </a:t>
             </a:r>
             <a:r>
-              <a:rPr lang="hr-HR" sz="2300"/>
-              <a:t> - posjećeno 10.1.</a:t>
+              <a:rPr lang="hr-HR" sz="1800" u="sng">
+                <a:solidFill>
+                  <a:schemeClr val="hlink"/>
+                </a:solidFill>
+                <a:hlinkClick r:id="rId8"/>
+              </a:rPr>
+              <a:t>"Military Cybersecurity: Protecting Operations."</a:t>
             </a:r>
-            <a:endParaRPr sz="2300"/>
+            <a:r>
+              <a:rPr lang="hr-HR" sz="1800"/>
+              <a:t> SSH.com (2024)</a:t>
+            </a:r>
+            <a:endParaRPr sz="1800"/>
           </a:p>
           <a:p>
-            <a:pPr indent="-260350" lvl="0" marL="342900" rtl="0" algn="l">
-              <a:lnSpc>
-                <a:spcPct val="100000"/>
-              </a:lnSpc>
-              <a:spcBef>
-                <a:spcPts val="0"/>
-              </a:spcBef>
-              <a:spcAft>
-                <a:spcPts val="0"/>
-              </a:spcAft>
-              <a:buSzPts val="2300"/>
+            <a:pPr indent="-228600" lvl="0" marL="342900" rtl="0" algn="l">
+              <a:lnSpc>
+                <a:spcPct val="115000"/>
+              </a:lnSpc>
+              <a:spcBef>
+                <a:spcPts val="0"/>
+              </a:spcBef>
+              <a:spcAft>
+                <a:spcPts val="0"/>
+              </a:spcAft>
+              <a:buSzPts val="1800"/>
               <a:buChar char="•"/>
             </a:pPr>
             <a:r>
-              <a:rPr lang="hr-HR" sz="2300" u="sng">
-                <a:solidFill>
-                  <a:schemeClr val="hlink"/>
-                </a:solidFill>
-                <a:hlinkClick r:id="rId8"/>
-              </a:rPr>
-              <a:t>https://www.ssh.com/academy/military-cybersecurity-protecting-operations</a:t>
+              <a:rPr lang="hr-HR" sz="1800"/>
+              <a:t>The Decision Lab.</a:t>
             </a:r>
             <a:r>
-              <a:rPr lang="hr-HR" sz="2300"/>
-              <a:t> - posjećeno 10.1</a:t>
-            </a:r>
-            <a:endParaRPr sz="2300"/>
-          </a:p>
-          <a:p>
-            <a:pPr indent="-260350" lvl="0" marL="342900" rtl="0" algn="l">
-              <a:lnSpc>
-                <a:spcPct val="100000"/>
-              </a:lnSpc>
-              <a:spcBef>
-                <a:spcPts val="0"/>
-              </a:spcBef>
-              <a:spcAft>
-                <a:spcPts val="0"/>
-              </a:spcAft>
-              <a:buSzPts val="2300"/>
-              <a:buChar char="•"/>
-            </a:pPr>
-            <a:r>
-              <a:rPr lang="hr-HR" sz="2300" u="sng">
+              <a:rPr lang="hr-HR" sz="1800" u="sng">
                 <a:solidFill>
                   <a:schemeClr val="hlink"/>
                 </a:solidFill>
                 <a:hlinkClick r:id="rId9"/>
               </a:rPr>
-              <a:t>https://thedecisionlab.com/reference-guide/computer-science/the-ooda-loop</a:t>
+              <a:t> "The OODA Loop: A Decision-Making Framework."</a:t>
             </a:r>
             <a:r>
-              <a:rPr lang="hr-HR" sz="2300"/>
-              <a:t> - posjećeno 11.1.</a:t>
+              <a:rPr lang="hr-HR" sz="1800"/>
+              <a:t> The Decision Lab Reference Guide (2024)</a:t>
             </a:r>
-            <a:endParaRPr sz="2300"/>
+            <a:endParaRPr sz="1800"/>
           </a:p>
         </p:txBody>
       </p:sp>
       <p:sp>
         <p:nvSpPr>
-          <p:cNvPr id="192" name="Google Shape;192;p28"/>
+          <p:cNvPr id="189" name="Google Shape;189;p28"/>
           <p:cNvSpPr txBox="1"/>
           <p:nvPr>
             <p:ph idx="2" type="body"/>
@@ -14066,9 +13948,13 @@
             </a:pPr>
             <a:r>
               <a:rPr lang="hr-HR" sz="3200"/>
-              <a:t>Ukratko o TLP-u</a:t>
+              <a:t>Ukratko o </a:t>
             </a:r>
-            <a:endParaRPr sz="3200"/>
+            <a:r>
+              <a:rPr i="1" lang="hr-HR" sz="3200"/>
+              <a:t>Troop Leading Procedures</a:t>
+            </a:r>
+            <a:endParaRPr i="1" sz="3200"/>
           </a:p>
           <a:p>
             <a:pPr indent="-317500" lvl="0" marL="342900" rtl="0" algn="l">
@@ -14257,7 +14143,7 @@
   <p:cSld>
     <p:spTree>
       <p:nvGrpSpPr>
-        <p:cNvPr id="196" name="Shape 196"/>
+        <p:cNvPr id="193" name="Shape 193"/>
         <p:cNvGrpSpPr/>
         <p:nvPr/>
       </p:nvGrpSpPr>
@@ -14271,7 +14157,7 @@
       </p:grpSpPr>
       <p:sp>
         <p:nvSpPr>
-          <p:cNvPr id="197" name="Google Shape;197;p29"/>
+          <p:cNvPr id="194" name="Google Shape;194;p29"/>
           <p:cNvSpPr txBox="1"/>
           <p:nvPr>
             <p:ph idx="1" type="body"/>
@@ -14314,17 +14200,21 @@
               <a:buChar char="•"/>
             </a:pPr>
             <a:r>
+              <a:rPr lang="hr-HR" sz="3000"/>
+              <a:t>US Army; </a:t>
+            </a:r>
+            <a:r>
               <a:rPr lang="hr-HR" sz="3000" u="sng">
                 <a:solidFill>
                   <a:schemeClr val="hlink"/>
                 </a:solidFill>
                 <a:hlinkClick r:id="rId3"/>
               </a:rPr>
-              <a:t>https://rdl.train.army.mil/catalog-ws/view/100.ATSC/B2CD5B93-A4F0-40F3-82E3-AAA34EA2ECAD-1395943497063/report.pdf</a:t>
+              <a:t>“150-LDR-5012, Conduct Troop Leading Procedures”</a:t>
             </a:r>
             <a:r>
               <a:rPr lang="hr-HR" sz="3000"/>
-              <a:t> - posjećeno 10.1.</a:t>
+              <a:t>; US Army (20.05.2025)</a:t>
             </a:r>
             <a:endParaRPr sz="3000"/>
           </a:p>
@@ -14343,17 +14233,21 @@
               <a:buChar char="•"/>
             </a:pPr>
             <a:r>
+              <a:rPr lang="hr-HR" sz="3000"/>
+              <a:t>USAF Civil Engineering; </a:t>
+            </a:r>
+            <a:r>
               <a:rPr lang="hr-HR" sz="3000" u="sng">
                 <a:solidFill>
                   <a:schemeClr val="hlink"/>
                 </a:solidFill>
                 <a:hlinkClick r:id="rId4"/>
               </a:rPr>
-              <a:t>https://www.187fw.ang.af.mil/Portals/1/08%20--%20TLP%20and%20Convoy%20Planning%20%28SFC2%29.ppt</a:t>
+              <a:t>“TLP and Convoy planning”</a:t>
             </a:r>
             <a:r>
               <a:rPr lang="hr-HR" sz="3000"/>
-              <a:t> - posjećeno 11.1.</a:t>
+              <a:t>; USAD Civil Engineering “Prime Beef” (N/a)</a:t>
             </a:r>
             <a:endParaRPr sz="3000"/>
           </a:p>
@@ -14361,7 +14255,7 @@
       </p:sp>
       <p:sp>
         <p:nvSpPr>
-          <p:cNvPr id="198" name="Google Shape;198;p29"/>
+          <p:cNvPr id="195" name="Google Shape;195;p29"/>
           <p:cNvSpPr txBox="1"/>
           <p:nvPr>
             <p:ph idx="2" type="body"/>
@@ -14424,7 +14318,7 @@
   <p:cSld>
     <p:spTree>
       <p:nvGrpSpPr>
-        <p:cNvPr id="202" name="Shape 202"/>
+        <p:cNvPr id="199" name="Shape 199"/>
         <p:cNvGrpSpPr/>
         <p:nvPr/>
       </p:nvGrpSpPr>
@@ -14438,7 +14332,7 @@
       </p:grpSpPr>
       <p:sp>
         <p:nvSpPr>
-          <p:cNvPr id="203" name="Google Shape;203;p30"/>
+          <p:cNvPr id="200" name="Google Shape;200;p30"/>
           <p:cNvSpPr txBox="1"/>
           <p:nvPr>
             <p:ph idx="1" type="body"/>
@@ -15055,7 +14949,7 @@
             </a:pPr>
             <a:r>
               <a:rPr lang="hr-HR" sz="2700"/>
-              <a:t>brigade, specijalizirani timovi…</a:t>
+              <a:t>jedinice, specijalizirani timovi…</a:t>
             </a:r>
             <a:endParaRPr sz="2700"/>
           </a:p>
@@ -15151,7 +15045,7 @@
             </a:pPr>
             <a:r>
               <a:rPr lang="hr-HR"/>
-              <a:t>Ukratko o TLP-u</a:t>
+              <a:t>Ukratko o Procedurama vođenja trupa</a:t>
             </a:r>
             <a:endParaRPr/>
           </a:p>
@@ -15264,45 +15158,6 @@
           </a:ln>
         </p:spPr>
       </p:pic>
-      <p:sp>
-        <p:nvSpPr>
-          <p:cNvPr id="90" name="Google Shape;90;p15"/>
-          <p:cNvSpPr txBox="1"/>
-          <p:nvPr>
-            <p:ph idx="1" type="body"/>
-          </p:nvPr>
-        </p:nvSpPr>
-        <p:spPr>
-          <a:xfrm>
-            <a:off x="565509" y="1824450"/>
-            <a:ext cx="10398900" cy="3955200"/>
-          </a:xfrm>
-          <a:prstGeom prst="rect">
-            <a:avLst/>
-          </a:prstGeom>
-        </p:spPr>
-        <p:txBody>
-          <a:bodyPr anchorCtr="0" anchor="t" bIns="45700" lIns="91425" spcFirstLastPara="1" rIns="91425" wrap="square" tIns="45700">
-            <a:noAutofit/>
-          </a:bodyPr>
-          <a:lstStyle/>
-          <a:p>
-            <a:pPr indent="0" lvl="0" marL="0" rtl="0" algn="l">
-              <a:spcBef>
-                <a:spcPts val="500"/>
-              </a:spcBef>
-              <a:spcAft>
-                <a:spcPts val="0"/>
-              </a:spcAft>
-              <a:buNone/>
-            </a:pPr>
-            <a:r>
-              <a:t/>
-            </a:r>
-            <a:endParaRPr/>
-          </a:p>
-        </p:txBody>
-      </p:sp>
     </p:spTree>
   </p:cSld>
   <p:clrMapOvr>
@@ -15399,7 +15254,7 @@
   <p:cSld>
     <p:spTree>
       <p:nvGrpSpPr>
-        <p:cNvPr id="94" name="Shape 94"/>
+        <p:cNvPr id="93" name="Shape 93"/>
         <p:cNvGrpSpPr/>
         <p:nvPr/>
       </p:nvGrpSpPr>
@@ -15413,7 +15268,7 @@
       </p:grpSpPr>
       <p:sp>
         <p:nvSpPr>
-          <p:cNvPr id="95" name="Google Shape;95;p16"/>
+          <p:cNvPr id="94" name="Google Shape;94;p16"/>
           <p:cNvSpPr txBox="1"/>
           <p:nvPr>
             <p:ph idx="2" type="body"/>
@@ -15421,8 +15276,8 @@
         </p:nvSpPr>
         <p:spPr>
           <a:xfrm>
-            <a:off x="565509" y="871572"/>
-            <a:ext cx="10398900" cy="716100"/>
+            <a:off x="357600" y="871575"/>
+            <a:ext cx="11600400" cy="716100"/>
           </a:xfrm>
           <a:prstGeom prst="rect">
             <a:avLst/>
@@ -15469,7 +15324,7 @@
       </p:sp>
       <p:graphicFrame>
         <p:nvGraphicFramePr>
-          <p:cNvPr id="96" name="Google Shape;96;p16"/>
+          <p:cNvPr id="95" name="Google Shape;95;p16"/>
           <p:cNvGraphicFramePr/>
           <p:nvPr/>
         </p:nvGraphicFramePr>
@@ -15482,7 +15337,7 @@
             <a:tbl>
               <a:tblPr>
                 <a:noFill/>
-                <a:tableStyleId>{A31A2B2A-436A-480B-A1B8-D0FBDF0A8AFE}</a:tableStyleId>
+                <a:tableStyleId>{557BD47E-C577-43D7-A152-C426BC2AA7C7}</a:tableStyleId>
               </a:tblPr>
               <a:tblGrid>
                 <a:gridCol w="3866800"/>
@@ -15740,6 +15595,7 @@
                       <a:headEnd len="sm" w="sm" type="none"/>
                       <a:tailEnd len="sm" w="sm" type="none"/>
                     </a:lnB>
+                    <a:noFill/>
                   </a:tcPr>
                 </a:tc>
                 <a:tc>
@@ -15800,6 +15656,7 @@
                       <a:headEnd len="sm" w="sm" type="none"/>
                       <a:tailEnd len="sm" w="sm" type="none"/>
                     </a:lnB>
+                    <a:noFill/>
                   </a:tcPr>
                 </a:tc>
                 <a:tc>
@@ -15860,6 +15717,7 @@
                       <a:headEnd len="sm" w="sm" type="none"/>
                       <a:tailEnd len="sm" w="sm" type="none"/>
                     </a:lnB>
+                    <a:noFill/>
                   </a:tcPr>
                 </a:tc>
               </a:tr>
@@ -15922,6 +15780,7 @@
                       <a:headEnd len="sm" w="sm" type="none"/>
                       <a:tailEnd len="sm" w="sm" type="none"/>
                     </a:lnB>
+                    <a:noFill/>
                   </a:tcPr>
                 </a:tc>
                 <a:tc>
@@ -15982,6 +15841,7 @@
                       <a:headEnd len="sm" w="sm" type="none"/>
                       <a:tailEnd len="sm" w="sm" type="none"/>
                     </a:lnB>
+                    <a:noFill/>
                   </a:tcPr>
                 </a:tc>
                 <a:tc>
@@ -16042,6 +15902,7 @@
                       <a:headEnd len="sm" w="sm" type="none"/>
                       <a:tailEnd len="sm" w="sm" type="none"/>
                     </a:lnB>
+                    <a:noFill/>
                   </a:tcPr>
                 </a:tc>
               </a:tr>
@@ -16104,6 +15965,7 @@
                       <a:headEnd len="sm" w="sm" type="none"/>
                       <a:tailEnd len="sm" w="sm" type="none"/>
                     </a:lnB>
+                    <a:noFill/>
                   </a:tcPr>
                 </a:tc>
                 <a:tc>
@@ -16164,6 +16026,7 @@
                       <a:headEnd len="sm" w="sm" type="none"/>
                       <a:tailEnd len="sm" w="sm" type="none"/>
                     </a:lnB>
+                    <a:noFill/>
                   </a:tcPr>
                 </a:tc>
                 <a:tc>
@@ -16224,6 +16087,7 @@
                       <a:headEnd len="sm" w="sm" type="none"/>
                       <a:tailEnd len="sm" w="sm" type="none"/>
                     </a:lnB>
+                    <a:noFill/>
                   </a:tcPr>
                 </a:tc>
               </a:tr>
@@ -16294,6 +16158,7 @@
                       <a:headEnd len="sm" w="sm" type="none"/>
                       <a:tailEnd len="sm" w="sm" type="none"/>
                     </a:lnB>
+                    <a:noFill/>
                   </a:tcPr>
                 </a:tc>
                 <a:tc>
@@ -16354,6 +16219,7 @@
                       <a:headEnd len="sm" w="sm" type="none"/>
                       <a:tailEnd len="sm" w="sm" type="none"/>
                     </a:lnB>
+                    <a:noFill/>
                   </a:tcPr>
                 </a:tc>
                 <a:tc>
@@ -16414,6 +16280,7 @@
                       <a:headEnd len="sm" w="sm" type="none"/>
                       <a:tailEnd len="sm" w="sm" type="none"/>
                     </a:lnB>
+                    <a:noFill/>
                   </a:tcPr>
                 </a:tc>
               </a:tr>
@@ -16476,6 +16343,7 @@
                       <a:headEnd len="sm" w="sm" type="none"/>
                       <a:tailEnd len="sm" w="sm" type="none"/>
                     </a:lnB>
+                    <a:noFill/>
                   </a:tcPr>
                 </a:tc>
                 <a:tc>
@@ -16536,6 +16404,7 @@
                       <a:headEnd len="sm" w="sm" type="none"/>
                       <a:tailEnd len="sm" w="sm" type="none"/>
                     </a:lnB>
+                    <a:noFill/>
                   </a:tcPr>
                 </a:tc>
                 <a:tc>
@@ -16596,6 +16465,7 @@
                       <a:headEnd len="sm" w="sm" type="none"/>
                       <a:tailEnd len="sm" w="sm" type="none"/>
                     </a:lnB>
+                    <a:noFill/>
                   </a:tcPr>
                 </a:tc>
               </a:tr>
@@ -16658,6 +16528,7 @@
                       <a:headEnd len="sm" w="sm" type="none"/>
                       <a:tailEnd len="sm" w="sm" type="none"/>
                     </a:lnB>
+                    <a:noFill/>
                   </a:tcPr>
                 </a:tc>
                 <a:tc>
@@ -16718,6 +16589,7 @@
                       <a:headEnd len="sm" w="sm" type="none"/>
                       <a:tailEnd len="sm" w="sm" type="none"/>
                     </a:lnB>
+                    <a:noFill/>
                   </a:tcPr>
                 </a:tc>
                 <a:tc>
@@ -16778,6 +16650,7 @@
                       <a:headEnd len="sm" w="sm" type="none"/>
                       <a:tailEnd len="sm" w="sm" type="none"/>
                     </a:lnB>
+                    <a:noFill/>
                   </a:tcPr>
                 </a:tc>
               </a:tr>
@@ -16840,6 +16713,7 @@
                       <a:headEnd len="sm" w="sm" type="none"/>
                       <a:tailEnd len="sm" w="sm" type="none"/>
                     </a:lnB>
+                    <a:noFill/>
                   </a:tcPr>
                 </a:tc>
                 <a:tc>
@@ -16900,6 +16774,7 @@
                       <a:headEnd len="sm" w="sm" type="none"/>
                       <a:tailEnd len="sm" w="sm" type="none"/>
                     </a:lnB>
+                    <a:noFill/>
                   </a:tcPr>
                 </a:tc>
                 <a:tc>
@@ -16960,6 +16835,7 @@
                       <a:headEnd len="sm" w="sm" type="none"/>
                       <a:tailEnd len="sm" w="sm" type="none"/>
                     </a:lnB>
+                    <a:noFill/>
                   </a:tcPr>
                 </a:tc>
               </a:tr>
@@ -17022,6 +16898,7 @@
                       <a:headEnd len="sm" w="sm" type="none"/>
                       <a:tailEnd len="sm" w="sm" type="none"/>
                     </a:lnB>
+                    <a:noFill/>
                   </a:tcPr>
                 </a:tc>
                 <a:tc>
@@ -17082,6 +16959,7 @@
                       <a:headEnd len="sm" w="sm" type="none"/>
                       <a:tailEnd len="sm" w="sm" type="none"/>
                     </a:lnB>
+                    <a:noFill/>
                   </a:tcPr>
                 </a:tc>
                 <a:tc>
@@ -17142,6 +17020,7 @@
                       <a:headEnd len="sm" w="sm" type="none"/>
                       <a:tailEnd len="sm" w="sm" type="none"/>
                     </a:lnB>
+                    <a:noFill/>
                   </a:tcPr>
                 </a:tc>
               </a:tr>
@@ -17151,7 +17030,7 @@
       </p:graphicFrame>
       <p:sp>
         <p:nvSpPr>
-          <p:cNvPr id="97" name="Google Shape;97;p16"/>
+          <p:cNvPr id="96" name="Google Shape;96;p16"/>
           <p:cNvSpPr txBox="1"/>
           <p:nvPr/>
         </p:nvSpPr>
@@ -17199,45 +17078,6 @@
           </a:p>
         </p:txBody>
       </p:sp>
-      <p:sp>
-        <p:nvSpPr>
-          <p:cNvPr id="98" name="Google Shape;98;p16"/>
-          <p:cNvSpPr txBox="1"/>
-          <p:nvPr>
-            <p:ph idx="1" type="body"/>
-          </p:nvPr>
-        </p:nvSpPr>
-        <p:spPr>
-          <a:xfrm>
-            <a:off x="565509" y="1824450"/>
-            <a:ext cx="10398900" cy="3955200"/>
-          </a:xfrm>
-          <a:prstGeom prst="rect">
-            <a:avLst/>
-          </a:prstGeom>
-        </p:spPr>
-        <p:txBody>
-          <a:bodyPr anchorCtr="0" anchor="t" bIns="45700" lIns="91425" spcFirstLastPara="1" rIns="91425" wrap="square" tIns="45700">
-            <a:noAutofit/>
-          </a:bodyPr>
-          <a:lstStyle/>
-          <a:p>
-            <a:pPr indent="0" lvl="0" marL="0" rtl="0" algn="l">
-              <a:spcBef>
-                <a:spcPts val="500"/>
-              </a:spcBef>
-              <a:spcAft>
-                <a:spcPts val="0"/>
-              </a:spcAft>
-              <a:buNone/>
-            </a:pPr>
-            <a:r>
-              <a:t/>
-            </a:r>
-            <a:endParaRPr/>
-          </a:p>
-        </p:txBody>
-      </p:sp>
     </p:spTree>
   </p:cSld>
   <p:clrMapOvr>
@@ -17251,7 +17091,7 @@
   <p:cSld>
     <p:spTree>
       <p:nvGrpSpPr>
-        <p:cNvPr id="102" name="Shape 102"/>
+        <p:cNvPr id="100" name="Shape 100"/>
         <p:cNvGrpSpPr/>
         <p:nvPr/>
       </p:nvGrpSpPr>
@@ -17265,7 +17105,7 @@
       </p:grpSpPr>
       <p:sp>
         <p:nvSpPr>
-          <p:cNvPr id="103" name="Google Shape;103;p17"/>
+          <p:cNvPr id="101" name="Google Shape;101;p17"/>
           <p:cNvSpPr txBox="1"/>
           <p:nvPr>
             <p:ph idx="1" type="body"/>
@@ -17377,7 +17217,7 @@
       </p:sp>
       <p:sp>
         <p:nvSpPr>
-          <p:cNvPr id="104" name="Google Shape;104;p17"/>
+          <p:cNvPr id="102" name="Google Shape;102;p17"/>
           <p:cNvSpPr txBox="1"/>
           <p:nvPr>
             <p:ph idx="2" type="body"/>
@@ -17440,7 +17280,7 @@
   <p:cSld>
     <p:spTree>
       <p:nvGrpSpPr>
-        <p:cNvPr id="108" name="Shape 108"/>
+        <p:cNvPr id="106" name="Shape 106"/>
         <p:cNvGrpSpPr/>
         <p:nvPr/>
       </p:nvGrpSpPr>
@@ -17454,7 +17294,7 @@
       </p:grpSpPr>
       <p:sp>
         <p:nvSpPr>
-          <p:cNvPr id="109" name="Google Shape;109;p18"/>
+          <p:cNvPr id="107" name="Google Shape;107;p18"/>
           <p:cNvSpPr txBox="1"/>
           <p:nvPr>
             <p:ph idx="1" type="body"/>
@@ -17566,7 +17406,7 @@
       </p:sp>
       <p:sp>
         <p:nvSpPr>
-          <p:cNvPr id="110" name="Google Shape;110;p18"/>
+          <p:cNvPr id="108" name="Google Shape;108;p18"/>
           <p:cNvSpPr txBox="1"/>
           <p:nvPr>
             <p:ph idx="2" type="body"/>
@@ -17574,8 +17414,8 @@
         </p:nvSpPr>
         <p:spPr>
           <a:xfrm>
-            <a:off x="565509" y="871572"/>
-            <a:ext cx="10398900" cy="716100"/>
+            <a:off x="289200" y="871575"/>
+            <a:ext cx="11629800" cy="716100"/>
           </a:xfrm>
           <a:prstGeom prst="rect">
             <a:avLst/>
@@ -17606,10 +17446,10 @@
               <a:buNone/>
             </a:pPr>
             <a:r>
-              <a:rPr lang="hr-HR"/>
+              <a:rPr lang="hr-HR" sz="3900"/>
               <a:t>Opširno: Izdavanje naredbe upozorenje WARNO  </a:t>
             </a:r>
-            <a:endParaRPr/>
+            <a:endParaRPr sz="3900"/>
           </a:p>
         </p:txBody>
       </p:sp>
@@ -17624,21 +17464,21 @@
 <file path=ppt/theme/theme1.xml><?xml version="1.0" encoding="utf-8"?>
 <a:theme xmlns:a="http://schemas.openxmlformats.org/drawingml/2006/main" xmlns:r="http://schemas.openxmlformats.org/officeDocument/2006/relationships" name="Office Theme">
   <a:themeElements>
-    <a:clrScheme name="Office">
+    <a:clrScheme name="Custom 1">
       <a:dk1>
-        <a:srgbClr val="000000"/>
+        <a:srgbClr val="02000B"/>
       </a:dk1>
       <a:lt1>
         <a:srgbClr val="FFFFFF"/>
       </a:lt1>
       <a:dk2>
-        <a:srgbClr val="44546A"/>
+        <a:srgbClr val="02000C"/>
       </a:dk2>
       <a:lt2>
         <a:srgbClr val="E7E6E6"/>
       </a:lt2>
       <a:accent1>
-        <a:srgbClr val="4472C4"/>
+        <a:srgbClr val="02000E"/>
       </a:accent1>
       <a:accent2>
         <a:srgbClr val="ED7D31"/>
@@ -18182,21 +18022,21 @@
 <file path=ppt/theme/theme3.xml><?xml version="1.0" encoding="utf-8"?>
 <a:theme xmlns:a="http://schemas.openxmlformats.org/drawingml/2006/main" xmlns:r="http://schemas.openxmlformats.org/officeDocument/2006/relationships" name="Office Theme">
   <a:themeElements>
-    <a:clrScheme name="Custom 1">
+    <a:clrScheme name="Office">
       <a:dk1>
-        <a:srgbClr val="02000B"/>
+        <a:srgbClr val="000000"/>
       </a:dk1>
       <a:lt1>
         <a:srgbClr val="FFFFFF"/>
       </a:lt1>
       <a:dk2>
-        <a:srgbClr val="02000C"/>
+        <a:srgbClr val="44546A"/>
       </a:dk2>
       <a:lt2>
         <a:srgbClr val="E7E6E6"/>
       </a:lt2>
       <a:accent1>
-        <a:srgbClr val="02000E"/>
+        <a:srgbClr val="4472C4"/>
       </a:accent1>
       <a:accent2>
         <a:srgbClr val="ED7D31"/>
